--- a/twitter_streaming.pptx
+++ b/twitter_streaming.pptx
@@ -294,7 +294,7 @@
           <a:p>
             <a:fld id="{F801490B-92A7-F942-A47D-1AC0C7F9FD04}" type="datetimeFigureOut">
               <a:rPr lang="en-US" smtClean="0"/>
-              <a:t>6/25/18</a:t>
+              <a:t>6/27/18</a:t>
             </a:fld>
             <a:endParaRPr lang="en-US"/>
           </a:p>
@@ -464,7 +464,7 @@
           <a:p>
             <a:fld id="{F801490B-92A7-F942-A47D-1AC0C7F9FD04}" type="datetimeFigureOut">
               <a:rPr lang="en-US" smtClean="0"/>
-              <a:t>6/25/18</a:t>
+              <a:t>6/27/18</a:t>
             </a:fld>
             <a:endParaRPr lang="en-US"/>
           </a:p>
@@ -644,7 +644,7 @@
           <a:p>
             <a:fld id="{F801490B-92A7-F942-A47D-1AC0C7F9FD04}" type="datetimeFigureOut">
               <a:rPr lang="en-US" smtClean="0"/>
-              <a:t>6/25/18</a:t>
+              <a:t>6/27/18</a:t>
             </a:fld>
             <a:endParaRPr lang="en-US"/>
           </a:p>
@@ -814,7 +814,7 @@
           <a:p>
             <a:fld id="{F801490B-92A7-F942-A47D-1AC0C7F9FD04}" type="datetimeFigureOut">
               <a:rPr lang="en-US" smtClean="0"/>
-              <a:t>6/25/18</a:t>
+              <a:t>6/27/18</a:t>
             </a:fld>
             <a:endParaRPr lang="en-US"/>
           </a:p>
@@ -1060,7 +1060,7 @@
           <a:p>
             <a:fld id="{F801490B-92A7-F942-A47D-1AC0C7F9FD04}" type="datetimeFigureOut">
               <a:rPr lang="en-US" smtClean="0"/>
-              <a:t>6/25/18</a:t>
+              <a:t>6/27/18</a:t>
             </a:fld>
             <a:endParaRPr lang="en-US"/>
           </a:p>
@@ -1348,7 +1348,7 @@
           <a:p>
             <a:fld id="{F801490B-92A7-F942-A47D-1AC0C7F9FD04}" type="datetimeFigureOut">
               <a:rPr lang="en-US" smtClean="0"/>
-              <a:t>6/25/18</a:t>
+              <a:t>6/27/18</a:t>
             </a:fld>
             <a:endParaRPr lang="en-US"/>
           </a:p>
@@ -1770,7 +1770,7 @@
           <a:p>
             <a:fld id="{F801490B-92A7-F942-A47D-1AC0C7F9FD04}" type="datetimeFigureOut">
               <a:rPr lang="en-US" smtClean="0"/>
-              <a:t>6/25/18</a:t>
+              <a:t>6/27/18</a:t>
             </a:fld>
             <a:endParaRPr lang="en-US"/>
           </a:p>
@@ -1888,7 +1888,7 @@
           <a:p>
             <a:fld id="{F801490B-92A7-F942-A47D-1AC0C7F9FD04}" type="datetimeFigureOut">
               <a:rPr lang="en-US" smtClean="0"/>
-              <a:t>6/25/18</a:t>
+              <a:t>6/27/18</a:t>
             </a:fld>
             <a:endParaRPr lang="en-US"/>
           </a:p>
@@ -1983,7 +1983,7 @@
           <a:p>
             <a:fld id="{F801490B-92A7-F942-A47D-1AC0C7F9FD04}" type="datetimeFigureOut">
               <a:rPr lang="en-US" smtClean="0"/>
-              <a:t>6/25/18</a:t>
+              <a:t>6/27/18</a:t>
             </a:fld>
             <a:endParaRPr lang="en-US"/>
           </a:p>
@@ -2260,7 +2260,7 @@
           <a:p>
             <a:fld id="{F801490B-92A7-F942-A47D-1AC0C7F9FD04}" type="datetimeFigureOut">
               <a:rPr lang="en-US" smtClean="0"/>
-              <a:t>6/25/18</a:t>
+              <a:t>6/27/18</a:t>
             </a:fld>
             <a:endParaRPr lang="en-US"/>
           </a:p>
@@ -2513,7 +2513,7 @@
           <a:p>
             <a:fld id="{F801490B-92A7-F942-A47D-1AC0C7F9FD04}" type="datetimeFigureOut">
               <a:rPr lang="en-US" smtClean="0"/>
-              <a:t>6/25/18</a:t>
+              <a:t>6/27/18</a:t>
             </a:fld>
             <a:endParaRPr lang="en-US"/>
           </a:p>
@@ -2726,7 +2726,7 @@
           <a:p>
             <a:fld id="{F801490B-92A7-F942-A47D-1AC0C7F9FD04}" type="datetimeFigureOut">
               <a:rPr lang="en-US" smtClean="0"/>
-              <a:t>6/25/18</a:t>
+              <a:t>6/27/18</a:t>
             </a:fld>
             <a:endParaRPr lang="en-US"/>
           </a:p>
@@ -3111,33 +3111,56 @@
             <p:ph type="ctrTitle"/>
           </p:nvPr>
         </p:nvSpPr>
-        <p:spPr/>
-        <p:txBody>
-          <a:bodyPr/>
-          <a:lstStyle/>
-          <a:p>
-            <a:r>
-              <a:rPr lang="en-US" b="1" dirty="0"/>
-              <a:t>Display </a:t>
-            </a:r>
+        <p:spPr>
+          <a:xfrm>
+            <a:off x="599492" y="660400"/>
+            <a:ext cx="7772400" cy="1470025"/>
+          </a:xfrm>
+        </p:spPr>
+        <p:txBody>
+          <a:bodyPr>
+            <a:normAutofit/>
+          </a:bodyPr>
+          <a:lstStyle/>
+          <a:p>
             <a:r>
               <a:rPr lang="en-US" b="1" dirty="0" smtClean="0"/>
-              <a:t>tweets using Basemap </a:t>
-            </a:r>
-            <a:r>
-              <a:rPr lang="en-US" b="1" dirty="0"/>
-              <a:t>and Tweepy</a:t>
-            </a:r>
-            <a:r>
-              <a:rPr lang="en-US" dirty="0" smtClean="0">
-                <a:effectLst/>
-              </a:rPr>
-              <a:t> </a:t>
+              <a:t>Twitter Data Analysis</a:t>
             </a:r>
             <a:endParaRPr lang="en-US" dirty="0"/>
           </a:p>
         </p:txBody>
       </p:sp>
+      <p:pic>
+        <p:nvPicPr>
+          <p:cNvPr id="3" name="Picture 2" descr="basemap.png"/>
+          <p:cNvPicPr>
+            <a:picLocks noChangeAspect="1"/>
+          </p:cNvPicPr>
+          <p:nvPr/>
+        </p:nvPicPr>
+        <p:blipFill>
+          <a:blip r:embed="rId2">
+            <a:extLst>
+              <a:ext uri="{28A0092B-C50C-407E-A947-70E740481C1C}">
+                <a14:useLocalDpi xmlns:a14="http://schemas.microsoft.com/office/drawing/2010/main" val="0"/>
+              </a:ext>
+            </a:extLst>
+          </a:blip>
+          <a:stretch>
+            <a:fillRect/>
+          </a:stretch>
+        </p:blipFill>
+        <p:spPr>
+          <a:xfrm>
+            <a:off x="772108" y="2567221"/>
+            <a:ext cx="7895167" cy="3827509"/>
+          </a:xfrm>
+          <a:prstGeom prst="rect">
+            <a:avLst/>
+          </a:prstGeom>
+        </p:spPr>
+      </p:pic>
     </p:spTree>
     <p:extLst>
       <p:ext uri="{BB962C8B-B14F-4D97-AF65-F5344CB8AC3E}">
@@ -3389,11 +3412,7 @@
           <a:p>
             <a:r>
               <a:rPr lang="en-US" sz="2000" dirty="0" smtClean="0"/>
-              <a:t>Create Authentication file by using the tokens and keys generated from the </a:t>
-            </a:r>
-            <a:r>
-              <a:rPr lang="en-US" sz="2000" dirty="0" smtClean="0"/>
-              <a:t>http://apps.twitter.com</a:t>
+              <a:t>Create Authentication file by using the tokens and keys generated from the http://apps.twitter.com</a:t>
             </a:r>
             <a:endParaRPr lang="en-US" sz="2000" dirty="0"/>
           </a:p>
@@ -3780,10 +3799,10 @@
           <a:lstStyle/>
           <a:p>
             <a:r>
-              <a:rPr lang="en-US" dirty="0" smtClean="0"/>
+              <a:rPr lang="en-US" b="1" dirty="0" smtClean="0"/>
               <a:t>Basemap Plotting</a:t>
             </a:r>
-            <a:endParaRPr lang="en-US" dirty="0"/>
+            <a:endParaRPr lang="en-US" b="1" dirty="0"/>
           </a:p>
         </p:txBody>
       </p:sp>
@@ -4009,43 +4028,110 @@
           <a:lstStyle/>
           <a:p>
             <a:r>
-              <a:rPr lang="en-US" dirty="0" smtClean="0"/>
-              <a:t>Plotting</a:t>
-            </a:r>
-            <a:endParaRPr lang="en-US" dirty="0"/>
-          </a:p>
-        </p:txBody>
-      </p:sp>
-      <p:pic>
-        <p:nvPicPr>
-          <p:cNvPr id="4" name="Picture 3" descr="basemap.png"/>
-          <p:cNvPicPr>
-            <a:picLocks noChangeAspect="1"/>
-          </p:cNvPicPr>
-          <p:nvPr/>
-        </p:nvPicPr>
-        <p:blipFill>
-          <a:blip r:embed="rId2">
-            <a:extLst>
-              <a:ext uri="{28A0092B-C50C-407E-A947-70E740481C1C}">
-                <a14:useLocalDpi xmlns:a14="http://schemas.microsoft.com/office/drawing/2010/main" val="0"/>
-              </a:ext>
-            </a:extLst>
-          </a:blip>
-          <a:stretch>
-            <a:fillRect/>
-          </a:stretch>
-        </p:blipFill>
+              <a:rPr lang="en-US" b="1" dirty="0" smtClean="0"/>
+              <a:t>Sentiment Analysis</a:t>
+            </a:r>
+            <a:endParaRPr lang="en-US" b="1" dirty="0"/>
+          </a:p>
+        </p:txBody>
+      </p:sp>
+      <p:sp>
+        <p:nvSpPr>
+          <p:cNvPr id="5" name="Content Placeholder 2"/>
+          <p:cNvSpPr>
+            <a:spLocks noGrp="1"/>
+          </p:cNvSpPr>
+          <p:nvPr>
+            <p:ph idx="1"/>
+          </p:nvPr>
+        </p:nvSpPr>
         <p:spPr>
           <a:xfrm>
-            <a:off x="571500" y="1802824"/>
-            <a:ext cx="7895167" cy="3827509"/>
+            <a:off x="457200" y="1600200"/>
+            <a:ext cx="8229600" cy="4525963"/>
           </a:xfrm>
-          <a:prstGeom prst="rect">
-            <a:avLst/>
-          </a:prstGeom>
         </p:spPr>
-      </p:pic>
+        <p:txBody>
+          <a:bodyPr/>
+          <a:lstStyle/>
+          <a:p>
+            <a:pPr lvl="0"/>
+            <a:r>
+              <a:rPr lang="en-US" sz="2000" dirty="0"/>
+              <a:t>TextBlob is a Python (2 and 3) library for processing textual </a:t>
+            </a:r>
+            <a:r>
+              <a:rPr lang="en-US" sz="2000" dirty="0" smtClean="0"/>
+              <a:t>data</a:t>
+            </a:r>
+          </a:p>
+          <a:p>
+            <a:pPr marL="0" lvl="0" indent="0">
+              <a:buNone/>
+            </a:pPr>
+            <a:endParaRPr lang="en-US" sz="2000" dirty="0"/>
+          </a:p>
+          <a:p>
+            <a:r>
+              <a:rPr lang="en-US" sz="2000" dirty="0"/>
+              <a:t>analysis= TextBlob(cleanedTweet</a:t>
+            </a:r>
+            <a:r>
+              <a:rPr lang="en-US" sz="2000" dirty="0" smtClean="0"/>
+              <a:t>)</a:t>
+            </a:r>
+          </a:p>
+          <a:p>
+            <a:endParaRPr lang="en-US" sz="2000" dirty="0"/>
+          </a:p>
+          <a:p>
+            <a:r>
+              <a:rPr lang="en-US" sz="2000" dirty="0"/>
+              <a:t>analysis.sentiment.polarity &lt; </a:t>
+            </a:r>
+            <a:r>
+              <a:rPr lang="en-US" sz="2000" dirty="0" smtClean="0"/>
+              <a:t>0 </a:t>
+            </a:r>
+            <a:r>
+              <a:rPr lang="en-US" sz="2000" dirty="0"/>
+              <a:t> </a:t>
+            </a:r>
+            <a:r>
+              <a:rPr lang="en-US" sz="2000" dirty="0" smtClean="0"/>
+              <a:t>means Negative</a:t>
+            </a:r>
+          </a:p>
+          <a:p>
+            <a:endParaRPr lang="en-US" sz="2000" dirty="0"/>
+          </a:p>
+          <a:p>
+            <a:r>
+              <a:rPr lang="en-US" sz="2000" dirty="0"/>
+              <a:t>0&lt;=analysis.sentiment.polarity &lt;=</a:t>
+            </a:r>
+            <a:r>
+              <a:rPr lang="en-US" sz="2000" dirty="0" smtClean="0"/>
+              <a:t>0.2 means Neutral</a:t>
+            </a:r>
+          </a:p>
+          <a:p>
+            <a:endParaRPr lang="en-US" sz="2000" dirty="0"/>
+          </a:p>
+          <a:p>
+            <a:endParaRPr lang="en-US" sz="2000" dirty="0" smtClean="0"/>
+          </a:p>
+          <a:p>
+            <a:endParaRPr lang="en-US" sz="2000" dirty="0" smtClean="0"/>
+          </a:p>
+          <a:p>
+            <a:endParaRPr lang="en-US" dirty="0"/>
+          </a:p>
+          <a:p>
+            <a:endParaRPr lang="en-US" dirty="0"/>
+          </a:p>
+        </p:txBody>
+      </p:sp>
     </p:spTree>
     <p:extLst>
       <p:ext uri="{BB962C8B-B14F-4D97-AF65-F5344CB8AC3E}">
